--- a/ShinyDEGraphics.pptx
+++ b/ShinyDEGraphics.pptx
@@ -5,7 +5,7 @@
     <p:sldMasterId id="2147483648" r:id="rId1"/>
   </p:sldMasterIdLst>
   <p:notesMasterIdLst>
-    <p:notesMasterId r:id="rId7"/>
+    <p:notesMasterId r:id="rId14"/>
   </p:notesMasterIdLst>
   <p:sldIdLst>
     <p:sldId id="256" r:id="rId2"/>
@@ -13,6 +13,13 @@
     <p:sldId id="258" r:id="rId4"/>
     <p:sldId id="259" r:id="rId5"/>
     <p:sldId id="260" r:id="rId6"/>
+    <p:sldId id="261" r:id="rId7"/>
+    <p:sldId id="262" r:id="rId8"/>
+    <p:sldId id="263" r:id="rId9"/>
+    <p:sldId id="264" r:id="rId10"/>
+    <p:sldId id="265" r:id="rId11"/>
+    <p:sldId id="266" r:id="rId12"/>
+    <p:sldId id="267" r:id="rId13"/>
   </p:sldIdLst>
   <p:sldSz cx="9144000" cy="6858000" type="screen4x3"/>
   <p:notesSz cx="6858000" cy="9144000"/>
@@ -196,7 +203,7 @@
           <a:p>
             <a:fld id="{13A04235-91EE-46BD-A876-32D39CFE973F}" type="datetimeFigureOut">
               <a:rPr lang="en-GB" smtClean="0"/>
-              <a:t>04/09/2015</a:t>
+              <a:t>27/09/2015</a:t>
             </a:fld>
             <a:endParaRPr lang="en-GB"/>
           </a:p>
@@ -548,6 +555,258 @@
 </p:notes>
 </file>
 
+<file path=ppt/notesSlides/notesSlide10.xml><?xml version="1.0" encoding="utf-8"?>
+<p:notes xmlns:a="http://schemas.openxmlformats.org/drawingml/2006/main" xmlns:r="http://schemas.openxmlformats.org/officeDocument/2006/relationships" xmlns:p="http://schemas.openxmlformats.org/presentationml/2006/main">
+  <p:cSld>
+    <p:spTree>
+      <p:nvGrpSpPr>
+        <p:cNvPr id="1" name=""/>
+        <p:cNvGrpSpPr/>
+        <p:nvPr/>
+      </p:nvGrpSpPr>
+      <p:grpSpPr>
+        <a:xfrm>
+          <a:off x="0" y="0"/>
+          <a:ext cx="0" cy="0"/>
+          <a:chOff x="0" y="0"/>
+          <a:chExt cx="0" cy="0"/>
+        </a:xfrm>
+      </p:grpSpPr>
+      <p:sp>
+        <p:nvSpPr>
+          <p:cNvPr id="2" name="Slide Image Placeholder 1"/>
+          <p:cNvSpPr>
+            <a:spLocks noGrp="1" noRot="1" noChangeAspect="1"/>
+          </p:cNvSpPr>
+          <p:nvPr>
+            <p:ph type="sldImg"/>
+          </p:nvPr>
+        </p:nvSpPr>
+        <p:spPr/>
+      </p:sp>
+      <p:sp>
+        <p:nvSpPr>
+          <p:cNvPr id="3" name="Notes Placeholder 2"/>
+          <p:cNvSpPr>
+            <a:spLocks noGrp="1"/>
+          </p:cNvSpPr>
+          <p:nvPr>
+            <p:ph type="body" idx="1"/>
+          </p:nvPr>
+        </p:nvSpPr>
+        <p:spPr/>
+        <p:txBody>
+          <a:bodyPr/>
+          <a:lstStyle/>
+          <a:p>
+            <a:endParaRPr lang="en-GB"/>
+          </a:p>
+        </p:txBody>
+      </p:sp>
+      <p:sp>
+        <p:nvSpPr>
+          <p:cNvPr id="4" name="Slide Number Placeholder 3"/>
+          <p:cNvSpPr>
+            <a:spLocks noGrp="1"/>
+          </p:cNvSpPr>
+          <p:nvPr>
+            <p:ph type="sldNum" sz="quarter" idx="10"/>
+          </p:nvPr>
+        </p:nvSpPr>
+        <p:spPr/>
+        <p:txBody>
+          <a:bodyPr/>
+          <a:lstStyle/>
+          <a:p>
+            <a:fld id="{20537A48-DE82-4861-A6E2-EF048311F59E}" type="slidenum">
+              <a:rPr lang="en-GB" smtClean="0"/>
+              <a:t>10</a:t>
+            </a:fld>
+            <a:endParaRPr lang="en-GB"/>
+          </a:p>
+        </p:txBody>
+      </p:sp>
+    </p:spTree>
+    <p:extLst>
+      <p:ext uri="{BB962C8B-B14F-4D97-AF65-F5344CB8AC3E}">
+        <p14:creationId xmlns:p14="http://schemas.microsoft.com/office/powerpoint/2010/main" val="894689390"/>
+      </p:ext>
+    </p:extLst>
+  </p:cSld>
+  <p:clrMapOvr>
+    <a:masterClrMapping/>
+  </p:clrMapOvr>
+</p:notes>
+</file>
+
+<file path=ppt/notesSlides/notesSlide11.xml><?xml version="1.0" encoding="utf-8"?>
+<p:notes xmlns:a="http://schemas.openxmlformats.org/drawingml/2006/main" xmlns:r="http://schemas.openxmlformats.org/officeDocument/2006/relationships" xmlns:p="http://schemas.openxmlformats.org/presentationml/2006/main">
+  <p:cSld>
+    <p:spTree>
+      <p:nvGrpSpPr>
+        <p:cNvPr id="1" name=""/>
+        <p:cNvGrpSpPr/>
+        <p:nvPr/>
+      </p:nvGrpSpPr>
+      <p:grpSpPr>
+        <a:xfrm>
+          <a:off x="0" y="0"/>
+          <a:ext cx="0" cy="0"/>
+          <a:chOff x="0" y="0"/>
+          <a:chExt cx="0" cy="0"/>
+        </a:xfrm>
+      </p:grpSpPr>
+      <p:sp>
+        <p:nvSpPr>
+          <p:cNvPr id="2" name="Slide Image Placeholder 1"/>
+          <p:cNvSpPr>
+            <a:spLocks noGrp="1" noRot="1" noChangeAspect="1"/>
+          </p:cNvSpPr>
+          <p:nvPr>
+            <p:ph type="sldImg"/>
+          </p:nvPr>
+        </p:nvSpPr>
+        <p:spPr/>
+      </p:sp>
+      <p:sp>
+        <p:nvSpPr>
+          <p:cNvPr id="3" name="Notes Placeholder 2"/>
+          <p:cNvSpPr>
+            <a:spLocks noGrp="1"/>
+          </p:cNvSpPr>
+          <p:nvPr>
+            <p:ph type="body" idx="1"/>
+          </p:nvPr>
+        </p:nvSpPr>
+        <p:spPr/>
+        <p:txBody>
+          <a:bodyPr/>
+          <a:lstStyle/>
+          <a:p>
+            <a:endParaRPr lang="en-GB"/>
+          </a:p>
+        </p:txBody>
+      </p:sp>
+      <p:sp>
+        <p:nvSpPr>
+          <p:cNvPr id="4" name="Slide Number Placeholder 3"/>
+          <p:cNvSpPr>
+            <a:spLocks noGrp="1"/>
+          </p:cNvSpPr>
+          <p:nvPr>
+            <p:ph type="sldNum" sz="quarter" idx="10"/>
+          </p:nvPr>
+        </p:nvSpPr>
+        <p:spPr/>
+        <p:txBody>
+          <a:bodyPr/>
+          <a:lstStyle/>
+          <a:p>
+            <a:fld id="{20537A48-DE82-4861-A6E2-EF048311F59E}" type="slidenum">
+              <a:rPr lang="en-GB" smtClean="0"/>
+              <a:t>11</a:t>
+            </a:fld>
+            <a:endParaRPr lang="en-GB"/>
+          </a:p>
+        </p:txBody>
+      </p:sp>
+    </p:spTree>
+    <p:extLst>
+      <p:ext uri="{BB962C8B-B14F-4D97-AF65-F5344CB8AC3E}">
+        <p14:creationId xmlns:p14="http://schemas.microsoft.com/office/powerpoint/2010/main" val="777459636"/>
+      </p:ext>
+    </p:extLst>
+  </p:cSld>
+  <p:clrMapOvr>
+    <a:masterClrMapping/>
+  </p:clrMapOvr>
+</p:notes>
+</file>
+
+<file path=ppt/notesSlides/notesSlide12.xml><?xml version="1.0" encoding="utf-8"?>
+<p:notes xmlns:a="http://schemas.openxmlformats.org/drawingml/2006/main" xmlns:r="http://schemas.openxmlformats.org/officeDocument/2006/relationships" xmlns:p="http://schemas.openxmlformats.org/presentationml/2006/main">
+  <p:cSld>
+    <p:spTree>
+      <p:nvGrpSpPr>
+        <p:cNvPr id="1" name=""/>
+        <p:cNvGrpSpPr/>
+        <p:nvPr/>
+      </p:nvGrpSpPr>
+      <p:grpSpPr>
+        <a:xfrm>
+          <a:off x="0" y="0"/>
+          <a:ext cx="0" cy="0"/>
+          <a:chOff x="0" y="0"/>
+          <a:chExt cx="0" cy="0"/>
+        </a:xfrm>
+      </p:grpSpPr>
+      <p:sp>
+        <p:nvSpPr>
+          <p:cNvPr id="2" name="Slide Image Placeholder 1"/>
+          <p:cNvSpPr>
+            <a:spLocks noGrp="1" noRot="1" noChangeAspect="1"/>
+          </p:cNvSpPr>
+          <p:nvPr>
+            <p:ph type="sldImg"/>
+          </p:nvPr>
+        </p:nvSpPr>
+        <p:spPr/>
+      </p:sp>
+      <p:sp>
+        <p:nvSpPr>
+          <p:cNvPr id="3" name="Notes Placeholder 2"/>
+          <p:cNvSpPr>
+            <a:spLocks noGrp="1"/>
+          </p:cNvSpPr>
+          <p:nvPr>
+            <p:ph type="body" idx="1"/>
+          </p:nvPr>
+        </p:nvSpPr>
+        <p:spPr/>
+        <p:txBody>
+          <a:bodyPr/>
+          <a:lstStyle/>
+          <a:p>
+            <a:endParaRPr lang="en-GB"/>
+          </a:p>
+        </p:txBody>
+      </p:sp>
+      <p:sp>
+        <p:nvSpPr>
+          <p:cNvPr id="4" name="Slide Number Placeholder 3"/>
+          <p:cNvSpPr>
+            <a:spLocks noGrp="1"/>
+          </p:cNvSpPr>
+          <p:nvPr>
+            <p:ph type="sldNum" sz="quarter" idx="10"/>
+          </p:nvPr>
+        </p:nvSpPr>
+        <p:spPr/>
+        <p:txBody>
+          <a:bodyPr/>
+          <a:lstStyle/>
+          <a:p>
+            <a:fld id="{20537A48-DE82-4861-A6E2-EF048311F59E}" type="slidenum">
+              <a:rPr lang="en-GB" smtClean="0"/>
+              <a:t>12</a:t>
+            </a:fld>
+            <a:endParaRPr lang="en-GB"/>
+          </a:p>
+        </p:txBody>
+      </p:sp>
+    </p:spTree>
+    <p:extLst>
+      <p:ext uri="{BB962C8B-B14F-4D97-AF65-F5344CB8AC3E}">
+        <p14:creationId xmlns:p14="http://schemas.microsoft.com/office/powerpoint/2010/main" val="2180667520"/>
+      </p:ext>
+    </p:extLst>
+  </p:cSld>
+  <p:clrMapOvr>
+    <a:masterClrMapping/>
+  </p:clrMapOvr>
+</p:notes>
+</file>
+
 <file path=ppt/notesSlides/notesSlide2.xml><?xml version="1.0" encoding="utf-8"?>
 <p:notes xmlns:a="http://schemas.openxmlformats.org/drawingml/2006/main" xmlns:r="http://schemas.openxmlformats.org/officeDocument/2006/relationships" xmlns:p="http://schemas.openxmlformats.org/presentationml/2006/main">
   <p:cSld>
@@ -875,6 +1134,342 @@
     <p:extLst>
       <p:ext uri="{BB962C8B-B14F-4D97-AF65-F5344CB8AC3E}">
         <p14:creationId xmlns:p14="http://schemas.microsoft.com/office/powerpoint/2010/main" val="740576103"/>
+      </p:ext>
+    </p:extLst>
+  </p:cSld>
+  <p:clrMapOvr>
+    <a:masterClrMapping/>
+  </p:clrMapOvr>
+</p:notes>
+</file>
+
+<file path=ppt/notesSlides/notesSlide6.xml><?xml version="1.0" encoding="utf-8"?>
+<p:notes xmlns:a="http://schemas.openxmlformats.org/drawingml/2006/main" xmlns:r="http://schemas.openxmlformats.org/officeDocument/2006/relationships" xmlns:p="http://schemas.openxmlformats.org/presentationml/2006/main">
+  <p:cSld>
+    <p:spTree>
+      <p:nvGrpSpPr>
+        <p:cNvPr id="1" name=""/>
+        <p:cNvGrpSpPr/>
+        <p:nvPr/>
+      </p:nvGrpSpPr>
+      <p:grpSpPr>
+        <a:xfrm>
+          <a:off x="0" y="0"/>
+          <a:ext cx="0" cy="0"/>
+          <a:chOff x="0" y="0"/>
+          <a:chExt cx="0" cy="0"/>
+        </a:xfrm>
+      </p:grpSpPr>
+      <p:sp>
+        <p:nvSpPr>
+          <p:cNvPr id="2" name="Slide Image Placeholder 1"/>
+          <p:cNvSpPr>
+            <a:spLocks noGrp="1" noRot="1" noChangeAspect="1"/>
+          </p:cNvSpPr>
+          <p:nvPr>
+            <p:ph type="sldImg"/>
+          </p:nvPr>
+        </p:nvSpPr>
+        <p:spPr/>
+      </p:sp>
+      <p:sp>
+        <p:nvSpPr>
+          <p:cNvPr id="3" name="Notes Placeholder 2"/>
+          <p:cNvSpPr>
+            <a:spLocks noGrp="1"/>
+          </p:cNvSpPr>
+          <p:nvPr>
+            <p:ph type="body" idx="1"/>
+          </p:nvPr>
+        </p:nvSpPr>
+        <p:spPr/>
+        <p:txBody>
+          <a:bodyPr/>
+          <a:lstStyle/>
+          <a:p>
+            <a:endParaRPr lang="en-GB"/>
+          </a:p>
+        </p:txBody>
+      </p:sp>
+      <p:sp>
+        <p:nvSpPr>
+          <p:cNvPr id="4" name="Slide Number Placeholder 3"/>
+          <p:cNvSpPr>
+            <a:spLocks noGrp="1"/>
+          </p:cNvSpPr>
+          <p:nvPr>
+            <p:ph type="sldNum" sz="quarter" idx="10"/>
+          </p:nvPr>
+        </p:nvSpPr>
+        <p:spPr/>
+        <p:txBody>
+          <a:bodyPr/>
+          <a:lstStyle/>
+          <a:p>
+            <a:fld id="{20537A48-DE82-4861-A6E2-EF048311F59E}" type="slidenum">
+              <a:rPr lang="en-GB" smtClean="0"/>
+              <a:t>6</a:t>
+            </a:fld>
+            <a:endParaRPr lang="en-GB"/>
+          </a:p>
+        </p:txBody>
+      </p:sp>
+    </p:spTree>
+    <p:extLst>
+      <p:ext uri="{BB962C8B-B14F-4D97-AF65-F5344CB8AC3E}">
+        <p14:creationId xmlns:p14="http://schemas.microsoft.com/office/powerpoint/2010/main" val="3803181050"/>
+      </p:ext>
+    </p:extLst>
+  </p:cSld>
+  <p:clrMapOvr>
+    <a:masterClrMapping/>
+  </p:clrMapOvr>
+</p:notes>
+</file>
+
+<file path=ppt/notesSlides/notesSlide7.xml><?xml version="1.0" encoding="utf-8"?>
+<p:notes xmlns:a="http://schemas.openxmlformats.org/drawingml/2006/main" xmlns:r="http://schemas.openxmlformats.org/officeDocument/2006/relationships" xmlns:p="http://schemas.openxmlformats.org/presentationml/2006/main">
+  <p:cSld>
+    <p:spTree>
+      <p:nvGrpSpPr>
+        <p:cNvPr id="1" name=""/>
+        <p:cNvGrpSpPr/>
+        <p:nvPr/>
+      </p:nvGrpSpPr>
+      <p:grpSpPr>
+        <a:xfrm>
+          <a:off x="0" y="0"/>
+          <a:ext cx="0" cy="0"/>
+          <a:chOff x="0" y="0"/>
+          <a:chExt cx="0" cy="0"/>
+        </a:xfrm>
+      </p:grpSpPr>
+      <p:sp>
+        <p:nvSpPr>
+          <p:cNvPr id="2" name="Slide Image Placeholder 1"/>
+          <p:cNvSpPr>
+            <a:spLocks noGrp="1" noRot="1" noChangeAspect="1"/>
+          </p:cNvSpPr>
+          <p:nvPr>
+            <p:ph type="sldImg"/>
+          </p:nvPr>
+        </p:nvSpPr>
+        <p:spPr/>
+      </p:sp>
+      <p:sp>
+        <p:nvSpPr>
+          <p:cNvPr id="3" name="Notes Placeholder 2"/>
+          <p:cNvSpPr>
+            <a:spLocks noGrp="1"/>
+          </p:cNvSpPr>
+          <p:nvPr>
+            <p:ph type="body" idx="1"/>
+          </p:nvPr>
+        </p:nvSpPr>
+        <p:spPr/>
+        <p:txBody>
+          <a:bodyPr/>
+          <a:lstStyle/>
+          <a:p>
+            <a:endParaRPr lang="en-GB"/>
+          </a:p>
+        </p:txBody>
+      </p:sp>
+      <p:sp>
+        <p:nvSpPr>
+          <p:cNvPr id="4" name="Slide Number Placeholder 3"/>
+          <p:cNvSpPr>
+            <a:spLocks noGrp="1"/>
+          </p:cNvSpPr>
+          <p:nvPr>
+            <p:ph type="sldNum" sz="quarter" idx="10"/>
+          </p:nvPr>
+        </p:nvSpPr>
+        <p:spPr/>
+        <p:txBody>
+          <a:bodyPr/>
+          <a:lstStyle/>
+          <a:p>
+            <a:fld id="{20537A48-DE82-4861-A6E2-EF048311F59E}" type="slidenum">
+              <a:rPr lang="en-GB" smtClean="0"/>
+              <a:t>7</a:t>
+            </a:fld>
+            <a:endParaRPr lang="en-GB"/>
+          </a:p>
+        </p:txBody>
+      </p:sp>
+    </p:spTree>
+    <p:extLst>
+      <p:ext uri="{BB962C8B-B14F-4D97-AF65-F5344CB8AC3E}">
+        <p14:creationId xmlns:p14="http://schemas.microsoft.com/office/powerpoint/2010/main" val="2110688636"/>
+      </p:ext>
+    </p:extLst>
+  </p:cSld>
+  <p:clrMapOvr>
+    <a:masterClrMapping/>
+  </p:clrMapOvr>
+</p:notes>
+</file>
+
+<file path=ppt/notesSlides/notesSlide8.xml><?xml version="1.0" encoding="utf-8"?>
+<p:notes xmlns:a="http://schemas.openxmlformats.org/drawingml/2006/main" xmlns:r="http://schemas.openxmlformats.org/officeDocument/2006/relationships" xmlns:p="http://schemas.openxmlformats.org/presentationml/2006/main">
+  <p:cSld>
+    <p:spTree>
+      <p:nvGrpSpPr>
+        <p:cNvPr id="1" name=""/>
+        <p:cNvGrpSpPr/>
+        <p:nvPr/>
+      </p:nvGrpSpPr>
+      <p:grpSpPr>
+        <a:xfrm>
+          <a:off x="0" y="0"/>
+          <a:ext cx="0" cy="0"/>
+          <a:chOff x="0" y="0"/>
+          <a:chExt cx="0" cy="0"/>
+        </a:xfrm>
+      </p:grpSpPr>
+      <p:sp>
+        <p:nvSpPr>
+          <p:cNvPr id="2" name="Slide Image Placeholder 1"/>
+          <p:cNvSpPr>
+            <a:spLocks noGrp="1" noRot="1" noChangeAspect="1"/>
+          </p:cNvSpPr>
+          <p:nvPr>
+            <p:ph type="sldImg"/>
+          </p:nvPr>
+        </p:nvSpPr>
+        <p:spPr/>
+      </p:sp>
+      <p:sp>
+        <p:nvSpPr>
+          <p:cNvPr id="3" name="Notes Placeholder 2"/>
+          <p:cNvSpPr>
+            <a:spLocks noGrp="1"/>
+          </p:cNvSpPr>
+          <p:nvPr>
+            <p:ph type="body" idx="1"/>
+          </p:nvPr>
+        </p:nvSpPr>
+        <p:spPr/>
+        <p:txBody>
+          <a:bodyPr/>
+          <a:lstStyle/>
+          <a:p>
+            <a:endParaRPr lang="en-GB"/>
+          </a:p>
+        </p:txBody>
+      </p:sp>
+      <p:sp>
+        <p:nvSpPr>
+          <p:cNvPr id="4" name="Slide Number Placeholder 3"/>
+          <p:cNvSpPr>
+            <a:spLocks noGrp="1"/>
+          </p:cNvSpPr>
+          <p:nvPr>
+            <p:ph type="sldNum" sz="quarter" idx="10"/>
+          </p:nvPr>
+        </p:nvSpPr>
+        <p:spPr/>
+        <p:txBody>
+          <a:bodyPr/>
+          <a:lstStyle/>
+          <a:p>
+            <a:fld id="{20537A48-DE82-4861-A6E2-EF048311F59E}" type="slidenum">
+              <a:rPr lang="en-GB" smtClean="0"/>
+              <a:t>8</a:t>
+            </a:fld>
+            <a:endParaRPr lang="en-GB"/>
+          </a:p>
+        </p:txBody>
+      </p:sp>
+    </p:spTree>
+    <p:extLst>
+      <p:ext uri="{BB962C8B-B14F-4D97-AF65-F5344CB8AC3E}">
+        <p14:creationId xmlns:p14="http://schemas.microsoft.com/office/powerpoint/2010/main" val="1858731230"/>
+      </p:ext>
+    </p:extLst>
+  </p:cSld>
+  <p:clrMapOvr>
+    <a:masterClrMapping/>
+  </p:clrMapOvr>
+</p:notes>
+</file>
+
+<file path=ppt/notesSlides/notesSlide9.xml><?xml version="1.0" encoding="utf-8"?>
+<p:notes xmlns:a="http://schemas.openxmlformats.org/drawingml/2006/main" xmlns:r="http://schemas.openxmlformats.org/officeDocument/2006/relationships" xmlns:p="http://schemas.openxmlformats.org/presentationml/2006/main">
+  <p:cSld>
+    <p:spTree>
+      <p:nvGrpSpPr>
+        <p:cNvPr id="1" name=""/>
+        <p:cNvGrpSpPr/>
+        <p:nvPr/>
+      </p:nvGrpSpPr>
+      <p:grpSpPr>
+        <a:xfrm>
+          <a:off x="0" y="0"/>
+          <a:ext cx="0" cy="0"/>
+          <a:chOff x="0" y="0"/>
+          <a:chExt cx="0" cy="0"/>
+        </a:xfrm>
+      </p:grpSpPr>
+      <p:sp>
+        <p:nvSpPr>
+          <p:cNvPr id="2" name="Slide Image Placeholder 1"/>
+          <p:cNvSpPr>
+            <a:spLocks noGrp="1" noRot="1" noChangeAspect="1"/>
+          </p:cNvSpPr>
+          <p:nvPr>
+            <p:ph type="sldImg"/>
+          </p:nvPr>
+        </p:nvSpPr>
+        <p:spPr/>
+      </p:sp>
+      <p:sp>
+        <p:nvSpPr>
+          <p:cNvPr id="3" name="Notes Placeholder 2"/>
+          <p:cNvSpPr>
+            <a:spLocks noGrp="1"/>
+          </p:cNvSpPr>
+          <p:nvPr>
+            <p:ph type="body" idx="1"/>
+          </p:nvPr>
+        </p:nvSpPr>
+        <p:spPr/>
+        <p:txBody>
+          <a:bodyPr/>
+          <a:lstStyle/>
+          <a:p>
+            <a:endParaRPr lang="en-GB"/>
+          </a:p>
+        </p:txBody>
+      </p:sp>
+      <p:sp>
+        <p:nvSpPr>
+          <p:cNvPr id="4" name="Slide Number Placeholder 3"/>
+          <p:cNvSpPr>
+            <a:spLocks noGrp="1"/>
+          </p:cNvSpPr>
+          <p:nvPr>
+            <p:ph type="sldNum" sz="quarter" idx="10"/>
+          </p:nvPr>
+        </p:nvSpPr>
+        <p:spPr/>
+        <p:txBody>
+          <a:bodyPr/>
+          <a:lstStyle/>
+          <a:p>
+            <a:fld id="{20537A48-DE82-4861-A6E2-EF048311F59E}" type="slidenum">
+              <a:rPr lang="en-GB" smtClean="0"/>
+              <a:t>9</a:t>
+            </a:fld>
+            <a:endParaRPr lang="en-GB"/>
+          </a:p>
+        </p:txBody>
+      </p:sp>
+    </p:spTree>
+    <p:extLst>
+      <p:ext uri="{BB962C8B-B14F-4D97-AF65-F5344CB8AC3E}">
+        <p14:creationId xmlns:p14="http://schemas.microsoft.com/office/powerpoint/2010/main" val="702806447"/>
       </p:ext>
     </p:extLst>
   </p:cSld>
@@ -1065,7 +1660,7 @@
           <a:p>
             <a:fld id="{B8E7006A-11A0-4D93-86EA-AD2E4EEE19D4}" type="datetimeFigureOut">
               <a:rPr lang="en-GB" smtClean="0"/>
-              <a:t>04/09/2015</a:t>
+              <a:t>27/09/2015</a:t>
             </a:fld>
             <a:endParaRPr lang="en-GB"/>
           </a:p>
@@ -1235,7 +1830,7 @@
           <a:p>
             <a:fld id="{B8E7006A-11A0-4D93-86EA-AD2E4EEE19D4}" type="datetimeFigureOut">
               <a:rPr lang="en-GB" smtClean="0"/>
-              <a:t>04/09/2015</a:t>
+              <a:t>27/09/2015</a:t>
             </a:fld>
             <a:endParaRPr lang="en-GB"/>
           </a:p>
@@ -1415,7 +2010,7 @@
           <a:p>
             <a:fld id="{B8E7006A-11A0-4D93-86EA-AD2E4EEE19D4}" type="datetimeFigureOut">
               <a:rPr lang="en-GB" smtClean="0"/>
-              <a:t>04/09/2015</a:t>
+              <a:t>27/09/2015</a:t>
             </a:fld>
             <a:endParaRPr lang="en-GB"/>
           </a:p>
@@ -1585,7 +2180,7 @@
           <a:p>
             <a:fld id="{B8E7006A-11A0-4D93-86EA-AD2E4EEE19D4}" type="datetimeFigureOut">
               <a:rPr lang="en-GB" smtClean="0"/>
-              <a:t>04/09/2015</a:t>
+              <a:t>27/09/2015</a:t>
             </a:fld>
             <a:endParaRPr lang="en-GB"/>
           </a:p>
@@ -1831,7 +2426,7 @@
           <a:p>
             <a:fld id="{B8E7006A-11A0-4D93-86EA-AD2E4EEE19D4}" type="datetimeFigureOut">
               <a:rPr lang="en-GB" smtClean="0"/>
-              <a:t>04/09/2015</a:t>
+              <a:t>27/09/2015</a:t>
             </a:fld>
             <a:endParaRPr lang="en-GB"/>
           </a:p>
@@ -2119,7 +2714,7 @@
           <a:p>
             <a:fld id="{B8E7006A-11A0-4D93-86EA-AD2E4EEE19D4}" type="datetimeFigureOut">
               <a:rPr lang="en-GB" smtClean="0"/>
-              <a:t>04/09/2015</a:t>
+              <a:t>27/09/2015</a:t>
             </a:fld>
             <a:endParaRPr lang="en-GB"/>
           </a:p>
@@ -2541,7 +3136,7 @@
           <a:p>
             <a:fld id="{B8E7006A-11A0-4D93-86EA-AD2E4EEE19D4}" type="datetimeFigureOut">
               <a:rPr lang="en-GB" smtClean="0"/>
-              <a:t>04/09/2015</a:t>
+              <a:t>27/09/2015</a:t>
             </a:fld>
             <a:endParaRPr lang="en-GB"/>
           </a:p>
@@ -2659,7 +3254,7 @@
           <a:p>
             <a:fld id="{B8E7006A-11A0-4D93-86EA-AD2E4EEE19D4}" type="datetimeFigureOut">
               <a:rPr lang="en-GB" smtClean="0"/>
-              <a:t>04/09/2015</a:t>
+              <a:t>27/09/2015</a:t>
             </a:fld>
             <a:endParaRPr lang="en-GB"/>
           </a:p>
@@ -2754,7 +3349,7 @@
           <a:p>
             <a:fld id="{B8E7006A-11A0-4D93-86EA-AD2E4EEE19D4}" type="datetimeFigureOut">
               <a:rPr lang="en-GB" smtClean="0"/>
-              <a:t>04/09/2015</a:t>
+              <a:t>27/09/2015</a:t>
             </a:fld>
             <a:endParaRPr lang="en-GB"/>
           </a:p>
@@ -3031,7 +3626,7 @@
           <a:p>
             <a:fld id="{B8E7006A-11A0-4D93-86EA-AD2E4EEE19D4}" type="datetimeFigureOut">
               <a:rPr lang="en-GB" smtClean="0"/>
-              <a:t>04/09/2015</a:t>
+              <a:t>27/09/2015</a:t>
             </a:fld>
             <a:endParaRPr lang="en-GB"/>
           </a:p>
@@ -3284,7 +3879,7 @@
           <a:p>
             <a:fld id="{B8E7006A-11A0-4D93-86EA-AD2E4EEE19D4}" type="datetimeFigureOut">
               <a:rPr lang="en-GB" smtClean="0"/>
-              <a:t>04/09/2015</a:t>
+              <a:t>27/09/2015</a:t>
             </a:fld>
             <a:endParaRPr lang="en-GB"/>
           </a:p>
@@ -3497,7 +4092,7 @@
           <a:p>
             <a:fld id="{B8E7006A-11A0-4D93-86EA-AD2E4EEE19D4}" type="datetimeFigureOut">
               <a:rPr lang="en-GB" smtClean="0"/>
-              <a:t>04/09/2015</a:t>
+              <a:t>27/09/2015</a:t>
             </a:fld>
             <a:endParaRPr lang="en-GB"/>
           </a:p>
@@ -4103,6 +4698,831 @@
 </p:sld>
 </file>
 
+<file path=ppt/slides/slide10.xml><?xml version="1.0" encoding="utf-8"?>
+<p:sld xmlns:a="http://schemas.openxmlformats.org/drawingml/2006/main" xmlns:r="http://schemas.openxmlformats.org/officeDocument/2006/relationships" xmlns:p="http://schemas.openxmlformats.org/presentationml/2006/main">
+  <p:cSld>
+    <p:spTree>
+      <p:nvGrpSpPr>
+        <p:cNvPr id="1" name=""/>
+        <p:cNvGrpSpPr/>
+        <p:nvPr/>
+      </p:nvGrpSpPr>
+      <p:grpSpPr>
+        <a:xfrm>
+          <a:off x="0" y="0"/>
+          <a:ext cx="0" cy="0"/>
+          <a:chOff x="0" y="0"/>
+          <a:chExt cx="0" cy="0"/>
+        </a:xfrm>
+      </p:grpSpPr>
+      <p:pic>
+        <p:nvPicPr>
+          <p:cNvPr id="5122" name="Picture 2"/>
+          <p:cNvPicPr>
+            <a:picLocks noChangeAspect="1" noChangeArrowheads="1"/>
+          </p:cNvPicPr>
+          <p:nvPr/>
+        </p:nvPicPr>
+        <p:blipFill rotWithShape="1">
+          <a:blip r:embed="rId3">
+            <a:extLst>
+              <a:ext uri="{28A0092B-C50C-407E-A947-70E740481C1C}">
+                <a14:useLocalDpi xmlns:a14="http://schemas.microsoft.com/office/drawing/2010/main" val="0"/>
+              </a:ext>
+            </a:extLst>
+          </a:blip>
+          <a:srcRect l="1" t="5556" r="66348" b="10926"/>
+          <a:stretch/>
+        </p:blipFill>
+        <p:spPr bwMode="auto">
+          <a:xfrm>
+            <a:off x="539553" y="980728"/>
+            <a:ext cx="2832298" cy="3983038"/>
+          </a:xfrm>
+          <a:prstGeom prst="rect">
+            <a:avLst/>
+          </a:prstGeom>
+          <a:noFill/>
+          <a:ln>
+            <a:noFill/>
+          </a:ln>
+          <a:extLst>
+            <a:ext uri="{909E8E84-426E-40DD-AFC4-6F175D3DCCD1}">
+              <a14:hiddenFill xmlns:a14="http://schemas.microsoft.com/office/drawing/2010/main">
+                <a:solidFill>
+                  <a:schemeClr val="accent1"/>
+                </a:solidFill>
+              </a14:hiddenFill>
+            </a:ext>
+            <a:ext uri="{91240B29-F687-4F45-9708-019B960494DF}">
+              <a14:hiddenLine xmlns:a14="http://schemas.microsoft.com/office/drawing/2010/main" w="9525">
+                <a:solidFill>
+                  <a:schemeClr val="tx1"/>
+                </a:solidFill>
+                <a:miter lim="800000"/>
+                <a:headEnd/>
+                <a:tailEnd/>
+              </a14:hiddenLine>
+            </a:ext>
+          </a:extLst>
+        </p:spPr>
+      </p:pic>
+      <p:pic>
+        <p:nvPicPr>
+          <p:cNvPr id="5123" name="Picture 3"/>
+          <p:cNvPicPr>
+            <a:picLocks noChangeAspect="1" noChangeArrowheads="1"/>
+          </p:cNvPicPr>
+          <p:nvPr/>
+        </p:nvPicPr>
+        <p:blipFill rotWithShape="1">
+          <a:blip r:embed="rId4" cstate="print">
+            <a:extLst>
+              <a:ext uri="{28A0092B-C50C-407E-A947-70E740481C1C}">
+                <a14:useLocalDpi xmlns:a14="http://schemas.microsoft.com/office/drawing/2010/main" val="0"/>
+              </a:ext>
+            </a:extLst>
+          </a:blip>
+          <a:srcRect l="34125" t="21429" r="937" b="12345"/>
+          <a:stretch/>
+        </p:blipFill>
+        <p:spPr bwMode="auto">
+          <a:xfrm>
+            <a:off x="3743176" y="692696"/>
+            <a:ext cx="4320000" cy="2478166"/>
+          </a:xfrm>
+          <a:prstGeom prst="rect">
+            <a:avLst/>
+          </a:prstGeom>
+          <a:noFill/>
+          <a:ln>
+            <a:noFill/>
+          </a:ln>
+          <a:extLst>
+            <a:ext uri="{909E8E84-426E-40DD-AFC4-6F175D3DCCD1}">
+              <a14:hiddenFill xmlns:a14="http://schemas.microsoft.com/office/drawing/2010/main">
+                <a:solidFill>
+                  <a:schemeClr val="accent1"/>
+                </a:solidFill>
+              </a14:hiddenFill>
+            </a:ext>
+            <a:ext uri="{91240B29-F687-4F45-9708-019B960494DF}">
+              <a14:hiddenLine xmlns:a14="http://schemas.microsoft.com/office/drawing/2010/main" w="9525">
+                <a:solidFill>
+                  <a:schemeClr val="tx1"/>
+                </a:solidFill>
+                <a:miter lim="800000"/>
+                <a:headEnd/>
+                <a:tailEnd/>
+              </a14:hiddenLine>
+            </a:ext>
+          </a:extLst>
+        </p:spPr>
+      </p:pic>
+      <p:pic>
+        <p:nvPicPr>
+          <p:cNvPr id="5" name="Picture 2"/>
+          <p:cNvPicPr>
+            <a:picLocks noChangeAspect="1" noChangeArrowheads="1"/>
+          </p:cNvPicPr>
+          <p:nvPr/>
+        </p:nvPicPr>
+        <p:blipFill rotWithShape="1">
+          <a:blip r:embed="rId3" cstate="print">
+            <a:extLst>
+              <a:ext uri="{28A0092B-C50C-407E-A947-70E740481C1C}">
+                <a14:useLocalDpi xmlns:a14="http://schemas.microsoft.com/office/drawing/2010/main" val="0"/>
+              </a:ext>
+            </a:extLst>
+          </a:blip>
+          <a:srcRect l="33717" t="20127" r="1363" b="13032"/>
+          <a:stretch/>
+        </p:blipFill>
+        <p:spPr bwMode="auto">
+          <a:xfrm>
+            <a:off x="3743176" y="3573016"/>
+            <a:ext cx="4320000" cy="2520304"/>
+          </a:xfrm>
+          <a:prstGeom prst="rect">
+            <a:avLst/>
+          </a:prstGeom>
+          <a:noFill/>
+          <a:ln>
+            <a:noFill/>
+          </a:ln>
+          <a:extLst>
+            <a:ext uri="{909E8E84-426E-40DD-AFC4-6F175D3DCCD1}">
+              <a14:hiddenFill xmlns:a14="http://schemas.microsoft.com/office/drawing/2010/main">
+                <a:solidFill>
+                  <a:schemeClr val="accent1"/>
+                </a:solidFill>
+              </a14:hiddenFill>
+            </a:ext>
+            <a:ext uri="{91240B29-F687-4F45-9708-019B960494DF}">
+              <a14:hiddenLine xmlns:a14="http://schemas.microsoft.com/office/drawing/2010/main" w="9525">
+                <a:solidFill>
+                  <a:schemeClr val="tx1"/>
+                </a:solidFill>
+                <a:miter lim="800000"/>
+                <a:headEnd/>
+                <a:tailEnd/>
+              </a14:hiddenLine>
+            </a:ext>
+          </a:extLst>
+        </p:spPr>
+      </p:pic>
+      <p:sp>
+        <p:nvSpPr>
+          <p:cNvPr id="6" name="Rectangle 5"/>
+          <p:cNvSpPr/>
+          <p:nvPr/>
+        </p:nvSpPr>
+        <p:spPr>
+          <a:xfrm>
+            <a:off x="611560" y="2875534"/>
+            <a:ext cx="1160392" cy="981229"/>
+          </a:xfrm>
+          <a:prstGeom prst="rect">
+            <a:avLst/>
+          </a:prstGeom>
+          <a:noFill/>
+          <a:ln w="19050">
+            <a:solidFill>
+              <a:schemeClr val="accent2"/>
+            </a:solidFill>
+          </a:ln>
+        </p:spPr>
+        <p:style>
+          <a:lnRef idx="2">
+            <a:schemeClr val="accent1">
+              <a:shade val="50000"/>
+            </a:schemeClr>
+          </a:lnRef>
+          <a:fillRef idx="1">
+            <a:schemeClr val="accent1"/>
+          </a:fillRef>
+          <a:effectRef idx="0">
+            <a:schemeClr val="accent1"/>
+          </a:effectRef>
+          <a:fontRef idx="minor">
+            <a:schemeClr val="lt1"/>
+          </a:fontRef>
+        </p:style>
+        <p:txBody>
+          <a:bodyPr rtlCol="0" anchor="ctr"/>
+          <a:lstStyle/>
+          <a:p>
+            <a:pPr algn="ctr"/>
+            <a:endParaRPr lang="en-GB"/>
+          </a:p>
+        </p:txBody>
+      </p:sp>
+      <p:sp>
+        <p:nvSpPr>
+          <p:cNvPr id="3" name="Rectangle 2"/>
+          <p:cNvSpPr/>
+          <p:nvPr/>
+        </p:nvSpPr>
+        <p:spPr>
+          <a:xfrm>
+            <a:off x="3995936" y="2348880"/>
+            <a:ext cx="792088" cy="597700"/>
+          </a:xfrm>
+          <a:prstGeom prst="rect">
+            <a:avLst/>
+          </a:prstGeom>
+          <a:noFill/>
+          <a:ln w="19050">
+            <a:solidFill>
+              <a:schemeClr val="accent2"/>
+            </a:solidFill>
+          </a:ln>
+        </p:spPr>
+        <p:style>
+          <a:lnRef idx="2">
+            <a:schemeClr val="accent1">
+              <a:shade val="50000"/>
+            </a:schemeClr>
+          </a:lnRef>
+          <a:fillRef idx="1">
+            <a:schemeClr val="accent1"/>
+          </a:fillRef>
+          <a:effectRef idx="0">
+            <a:schemeClr val="accent1"/>
+          </a:effectRef>
+          <a:fontRef idx="minor">
+            <a:schemeClr val="lt1"/>
+          </a:fontRef>
+        </p:style>
+        <p:txBody>
+          <a:bodyPr rtlCol="0" anchor="ctr"/>
+          <a:lstStyle/>
+          <a:p>
+            <a:pPr algn="ctr"/>
+            <a:endParaRPr lang="en-GB"/>
+          </a:p>
+        </p:txBody>
+      </p:sp>
+      <p:cxnSp>
+        <p:nvCxnSpPr>
+          <p:cNvPr id="4" name="Straight Connector 3"/>
+          <p:cNvCxnSpPr>
+            <a:stCxn id="6" idx="3"/>
+            <a:endCxn id="3" idx="1"/>
+          </p:cNvCxnSpPr>
+          <p:nvPr/>
+        </p:nvCxnSpPr>
+        <p:spPr>
+          <a:xfrm flipV="1">
+            <a:off x="1771952" y="2647730"/>
+            <a:ext cx="2223984" cy="718419"/>
+          </a:xfrm>
+          <a:prstGeom prst="line">
+            <a:avLst/>
+          </a:prstGeom>
+          <a:ln w="19050">
+            <a:solidFill>
+              <a:schemeClr val="accent2"/>
+            </a:solidFill>
+          </a:ln>
+        </p:spPr>
+        <p:style>
+          <a:lnRef idx="1">
+            <a:schemeClr val="accent1"/>
+          </a:lnRef>
+          <a:fillRef idx="0">
+            <a:schemeClr val="accent1"/>
+          </a:fillRef>
+          <a:effectRef idx="0">
+            <a:schemeClr val="accent1"/>
+          </a:effectRef>
+          <a:fontRef idx="minor">
+            <a:schemeClr val="tx1"/>
+          </a:fontRef>
+        </p:style>
+      </p:cxnSp>
+      <p:sp>
+        <p:nvSpPr>
+          <p:cNvPr id="10" name="Isosceles Triangle 9"/>
+          <p:cNvSpPr/>
+          <p:nvPr/>
+        </p:nvSpPr>
+        <p:spPr>
+          <a:xfrm rot="10800000">
+            <a:off x="3995936" y="3212977"/>
+            <a:ext cx="4067240" cy="288032"/>
+          </a:xfrm>
+          <a:prstGeom prst="triangle">
+            <a:avLst/>
+          </a:prstGeom>
+        </p:spPr>
+        <p:style>
+          <a:lnRef idx="2">
+            <a:schemeClr val="accent1">
+              <a:shade val="50000"/>
+            </a:schemeClr>
+          </a:lnRef>
+          <a:fillRef idx="1">
+            <a:schemeClr val="accent1"/>
+          </a:fillRef>
+          <a:effectRef idx="0">
+            <a:schemeClr val="accent1"/>
+          </a:effectRef>
+          <a:fontRef idx="minor">
+            <a:schemeClr val="lt1"/>
+          </a:fontRef>
+        </p:style>
+        <p:txBody>
+          <a:bodyPr rtlCol="0" anchor="ctr"/>
+          <a:lstStyle/>
+          <a:p>
+            <a:pPr algn="ctr"/>
+            <a:endParaRPr lang="en-GB"/>
+          </a:p>
+        </p:txBody>
+      </p:sp>
+      <p:pic>
+        <p:nvPicPr>
+          <p:cNvPr id="5124" name="Picture 4"/>
+          <p:cNvPicPr>
+            <a:picLocks noChangeAspect="1" noChangeArrowheads="1"/>
+          </p:cNvPicPr>
+          <p:nvPr/>
+        </p:nvPicPr>
+        <p:blipFill>
+          <a:blip r:embed="rId5">
+            <a:extLst>
+              <a:ext uri="{28A0092B-C50C-407E-A947-70E740481C1C}">
+                <a14:useLocalDpi xmlns:a14="http://schemas.microsoft.com/office/drawing/2010/main" val="0"/>
+              </a:ext>
+            </a:extLst>
+          </a:blip>
+          <a:srcRect/>
+          <a:stretch>
+            <a:fillRect/>
+          </a:stretch>
+        </p:blipFill>
+        <p:spPr bwMode="auto">
+          <a:xfrm>
+            <a:off x="2135244" y="1011547"/>
+            <a:ext cx="7535863" cy="5402263"/>
+          </a:xfrm>
+          <a:prstGeom prst="rect">
+            <a:avLst/>
+          </a:prstGeom>
+          <a:noFill/>
+          <a:ln>
+            <a:noFill/>
+          </a:ln>
+          <a:effectLst/>
+          <a:extLst>
+            <a:ext uri="{909E8E84-426E-40DD-AFC4-6F175D3DCCD1}">
+              <a14:hiddenFill xmlns:a14="http://schemas.microsoft.com/office/drawing/2010/main">
+                <a:solidFill>
+                  <a:schemeClr val="accent1"/>
+                </a:solidFill>
+              </a14:hiddenFill>
+            </a:ext>
+            <a:ext uri="{91240B29-F687-4F45-9708-019B960494DF}">
+              <a14:hiddenLine xmlns:a14="http://schemas.microsoft.com/office/drawing/2010/main" w="9525">
+                <a:solidFill>
+                  <a:schemeClr val="tx1"/>
+                </a:solidFill>
+                <a:miter lim="800000"/>
+                <a:headEnd/>
+                <a:tailEnd/>
+              </a14:hiddenLine>
+            </a:ext>
+            <a:ext uri="{AF507438-7753-43E0-B8FC-AC1667EBCBE1}">
+              <a14:hiddenEffects xmlns:a14="http://schemas.microsoft.com/office/drawing/2010/main">
+                <a:effectLst>
+                  <a:outerShdw dist="35921" dir="2700000" algn="ctr" rotWithShape="0">
+                    <a:schemeClr val="bg2"/>
+                  </a:outerShdw>
+                </a:effectLst>
+              </a14:hiddenEffects>
+            </a:ext>
+          </a:extLst>
+        </p:spPr>
+      </p:pic>
+    </p:spTree>
+    <p:extLst>
+      <p:ext uri="{BB962C8B-B14F-4D97-AF65-F5344CB8AC3E}">
+        <p14:creationId xmlns:p14="http://schemas.microsoft.com/office/powerpoint/2010/main" val="2280151911"/>
+      </p:ext>
+    </p:extLst>
+  </p:cSld>
+  <p:clrMapOvr>
+    <a:masterClrMapping/>
+  </p:clrMapOvr>
+  <p:timing>
+    <p:tnLst>
+      <p:par>
+        <p:cTn id="1" dur="indefinite" restart="never" nodeType="tmRoot"/>
+      </p:par>
+    </p:tnLst>
+  </p:timing>
+</p:sld>
+</file>
+
+<file path=ppt/slides/slide11.xml><?xml version="1.0" encoding="utf-8"?>
+<p:sld xmlns:a="http://schemas.openxmlformats.org/drawingml/2006/main" xmlns:r="http://schemas.openxmlformats.org/officeDocument/2006/relationships" xmlns:p="http://schemas.openxmlformats.org/presentationml/2006/main">
+  <p:cSld>
+    <p:spTree>
+      <p:nvGrpSpPr>
+        <p:cNvPr id="1" name=""/>
+        <p:cNvGrpSpPr/>
+        <p:nvPr/>
+      </p:nvGrpSpPr>
+      <p:grpSpPr>
+        <a:xfrm>
+          <a:off x="0" y="0"/>
+          <a:ext cx="0" cy="0"/>
+          <a:chOff x="0" y="0"/>
+          <a:chExt cx="0" cy="0"/>
+        </a:xfrm>
+      </p:grpSpPr>
+      <p:pic>
+        <p:nvPicPr>
+          <p:cNvPr id="6146" name="Picture 2"/>
+          <p:cNvPicPr>
+            <a:picLocks noChangeAspect="1" noChangeArrowheads="1"/>
+          </p:cNvPicPr>
+          <p:nvPr/>
+        </p:nvPicPr>
+        <p:blipFill rotWithShape="1">
+          <a:blip r:embed="rId3" cstate="print">
+            <a:extLst>
+              <a:ext uri="{28A0092B-C50C-407E-A947-70E740481C1C}">
+                <a14:useLocalDpi xmlns:a14="http://schemas.microsoft.com/office/drawing/2010/main" val="0"/>
+              </a:ext>
+            </a:extLst>
+          </a:blip>
+          <a:srcRect t="3786" r="1443" b="7467"/>
+          <a:stretch/>
+        </p:blipFill>
+        <p:spPr bwMode="auto">
+          <a:xfrm>
+            <a:off x="611559" y="1772816"/>
+            <a:ext cx="7590399" cy="3844663"/>
+          </a:xfrm>
+          <a:prstGeom prst="rect">
+            <a:avLst/>
+          </a:prstGeom>
+          <a:noFill/>
+          <a:ln>
+            <a:noFill/>
+          </a:ln>
+          <a:extLst>
+            <a:ext uri="{909E8E84-426E-40DD-AFC4-6F175D3DCCD1}">
+              <a14:hiddenFill xmlns:a14="http://schemas.microsoft.com/office/drawing/2010/main">
+                <a:solidFill>
+                  <a:schemeClr val="accent1"/>
+                </a:solidFill>
+              </a14:hiddenFill>
+            </a:ext>
+            <a:ext uri="{91240B29-F687-4F45-9708-019B960494DF}">
+              <a14:hiddenLine xmlns:a14="http://schemas.microsoft.com/office/drawing/2010/main" w="9525">
+                <a:solidFill>
+                  <a:schemeClr val="tx1"/>
+                </a:solidFill>
+                <a:miter lim="800000"/>
+                <a:headEnd/>
+                <a:tailEnd/>
+              </a14:hiddenLine>
+            </a:ext>
+          </a:extLst>
+        </p:spPr>
+      </p:pic>
+      <p:sp>
+        <p:nvSpPr>
+          <p:cNvPr id="4" name="Rectangle 3"/>
+          <p:cNvSpPr/>
+          <p:nvPr/>
+        </p:nvSpPr>
+        <p:spPr>
+          <a:xfrm>
+            <a:off x="683808" y="5249984"/>
+            <a:ext cx="2160000" cy="180000"/>
+          </a:xfrm>
+          <a:prstGeom prst="rect">
+            <a:avLst/>
+          </a:prstGeom>
+          <a:noFill/>
+          <a:ln w="12700">
+            <a:solidFill>
+              <a:schemeClr val="accent2"/>
+            </a:solidFill>
+          </a:ln>
+        </p:spPr>
+        <p:style>
+          <a:lnRef idx="2">
+            <a:schemeClr val="accent1">
+              <a:shade val="50000"/>
+            </a:schemeClr>
+          </a:lnRef>
+          <a:fillRef idx="1">
+            <a:schemeClr val="accent1"/>
+          </a:fillRef>
+          <a:effectRef idx="0">
+            <a:schemeClr val="accent1"/>
+          </a:effectRef>
+          <a:fontRef idx="minor">
+            <a:schemeClr val="lt1"/>
+          </a:fontRef>
+        </p:style>
+        <p:txBody>
+          <a:bodyPr rtlCol="0" anchor="ctr"/>
+          <a:lstStyle/>
+          <a:p>
+            <a:pPr algn="ctr"/>
+            <a:endParaRPr lang="en-GB"/>
+          </a:p>
+        </p:txBody>
+      </p:sp>
+      <p:pic>
+        <p:nvPicPr>
+          <p:cNvPr id="6147" name="Picture 3"/>
+          <p:cNvPicPr>
+            <a:picLocks noChangeAspect="1" noChangeArrowheads="1"/>
+          </p:cNvPicPr>
+          <p:nvPr/>
+        </p:nvPicPr>
+        <p:blipFill>
+          <a:blip r:embed="rId4">
+            <a:extLst>
+              <a:ext uri="{28A0092B-C50C-407E-A947-70E740481C1C}">
+                <a14:useLocalDpi xmlns:a14="http://schemas.microsoft.com/office/drawing/2010/main" val="0"/>
+              </a:ext>
+            </a:extLst>
+          </a:blip>
+          <a:srcRect/>
+          <a:stretch>
+            <a:fillRect/>
+          </a:stretch>
+        </p:blipFill>
+        <p:spPr bwMode="auto">
+          <a:xfrm>
+            <a:off x="776288" y="1565275"/>
+            <a:ext cx="7589837" cy="3846513"/>
+          </a:xfrm>
+          <a:prstGeom prst="rect">
+            <a:avLst/>
+          </a:prstGeom>
+          <a:noFill/>
+          <a:ln>
+            <a:noFill/>
+          </a:ln>
+          <a:effectLst/>
+          <a:extLst>
+            <a:ext uri="{909E8E84-426E-40DD-AFC4-6F175D3DCCD1}">
+              <a14:hiddenFill xmlns:a14="http://schemas.microsoft.com/office/drawing/2010/main">
+                <a:solidFill>
+                  <a:schemeClr val="accent1"/>
+                </a:solidFill>
+              </a14:hiddenFill>
+            </a:ext>
+            <a:ext uri="{91240B29-F687-4F45-9708-019B960494DF}">
+              <a14:hiddenLine xmlns:a14="http://schemas.microsoft.com/office/drawing/2010/main" w="9525">
+                <a:solidFill>
+                  <a:schemeClr val="tx1"/>
+                </a:solidFill>
+                <a:miter lim="800000"/>
+                <a:headEnd/>
+                <a:tailEnd/>
+              </a14:hiddenLine>
+            </a:ext>
+            <a:ext uri="{AF507438-7753-43E0-B8FC-AC1667EBCBE1}">
+              <a14:hiddenEffects xmlns:a14="http://schemas.microsoft.com/office/drawing/2010/main">
+                <a:effectLst>
+                  <a:outerShdw dist="35921" dir="2700000" algn="ctr" rotWithShape="0">
+                    <a:schemeClr val="bg2"/>
+                  </a:outerShdw>
+                </a:effectLst>
+              </a14:hiddenEffects>
+            </a:ext>
+          </a:extLst>
+        </p:spPr>
+      </p:pic>
+    </p:spTree>
+    <p:extLst>
+      <p:ext uri="{BB962C8B-B14F-4D97-AF65-F5344CB8AC3E}">
+        <p14:creationId xmlns:p14="http://schemas.microsoft.com/office/powerpoint/2010/main" val="3156762467"/>
+      </p:ext>
+    </p:extLst>
+  </p:cSld>
+  <p:clrMapOvr>
+    <a:masterClrMapping/>
+  </p:clrMapOvr>
+  <p:timing>
+    <p:tnLst>
+      <p:par>
+        <p:cTn id="1" dur="indefinite" restart="never" nodeType="tmRoot"/>
+      </p:par>
+    </p:tnLst>
+  </p:timing>
+</p:sld>
+</file>
+
+<file path=ppt/slides/slide12.xml><?xml version="1.0" encoding="utf-8"?>
+<p:sld xmlns:a="http://schemas.openxmlformats.org/drawingml/2006/main" xmlns:r="http://schemas.openxmlformats.org/officeDocument/2006/relationships" xmlns:p="http://schemas.openxmlformats.org/presentationml/2006/main">
+  <p:cSld>
+    <p:spTree>
+      <p:nvGrpSpPr>
+        <p:cNvPr id="1" name=""/>
+        <p:cNvGrpSpPr/>
+        <p:nvPr/>
+      </p:nvGrpSpPr>
+      <p:grpSpPr>
+        <a:xfrm>
+          <a:off x="0" y="0"/>
+          <a:ext cx="0" cy="0"/>
+          <a:chOff x="0" y="0"/>
+          <a:chExt cx="0" cy="0"/>
+        </a:xfrm>
+      </p:grpSpPr>
+      <p:pic>
+        <p:nvPicPr>
+          <p:cNvPr id="7170" name="Picture 2"/>
+          <p:cNvPicPr>
+            <a:picLocks noChangeAspect="1" noChangeArrowheads="1"/>
+          </p:cNvPicPr>
+          <p:nvPr/>
+        </p:nvPicPr>
+        <p:blipFill rotWithShape="1">
+          <a:blip r:embed="rId3">
+            <a:extLst>
+              <a:ext uri="{28A0092B-C50C-407E-A947-70E740481C1C}">
+                <a14:useLocalDpi xmlns:a14="http://schemas.microsoft.com/office/drawing/2010/main" val="0"/>
+              </a:ext>
+            </a:extLst>
+          </a:blip>
+          <a:srcRect t="45278" r="66875" b="23611"/>
+          <a:stretch/>
+        </p:blipFill>
+        <p:spPr bwMode="auto">
+          <a:xfrm>
+            <a:off x="1187624" y="1916832"/>
+            <a:ext cx="6057900" cy="3200401"/>
+          </a:xfrm>
+          <a:prstGeom prst="rect">
+            <a:avLst/>
+          </a:prstGeom>
+          <a:noFill/>
+          <a:ln>
+            <a:noFill/>
+          </a:ln>
+          <a:extLst>
+            <a:ext uri="{909E8E84-426E-40DD-AFC4-6F175D3DCCD1}">
+              <a14:hiddenFill xmlns:a14="http://schemas.microsoft.com/office/drawing/2010/main">
+                <a:solidFill>
+                  <a:schemeClr val="accent1"/>
+                </a:solidFill>
+              </a14:hiddenFill>
+            </a:ext>
+            <a:ext uri="{91240B29-F687-4F45-9708-019B960494DF}">
+              <a14:hiddenLine xmlns:a14="http://schemas.microsoft.com/office/drawing/2010/main" w="9525">
+                <a:solidFill>
+                  <a:schemeClr val="tx1"/>
+                </a:solidFill>
+                <a:miter lim="800000"/>
+                <a:headEnd/>
+                <a:tailEnd/>
+              </a14:hiddenLine>
+            </a:ext>
+          </a:extLst>
+        </p:spPr>
+      </p:pic>
+      <p:sp>
+        <p:nvSpPr>
+          <p:cNvPr id="3" name="Rectangle 2"/>
+          <p:cNvSpPr/>
+          <p:nvPr/>
+        </p:nvSpPr>
+        <p:spPr>
+          <a:xfrm>
+            <a:off x="1331640" y="4509120"/>
+            <a:ext cx="3276000" cy="360000"/>
+          </a:xfrm>
+          <a:prstGeom prst="rect">
+            <a:avLst/>
+          </a:prstGeom>
+          <a:noFill/>
+          <a:ln w="12700">
+            <a:solidFill>
+              <a:schemeClr val="accent2"/>
+            </a:solidFill>
+          </a:ln>
+        </p:spPr>
+        <p:style>
+          <a:lnRef idx="2">
+            <a:schemeClr val="accent1">
+              <a:shade val="50000"/>
+            </a:schemeClr>
+          </a:lnRef>
+          <a:fillRef idx="1">
+            <a:schemeClr val="accent1"/>
+          </a:fillRef>
+          <a:effectRef idx="0">
+            <a:schemeClr val="accent1"/>
+          </a:effectRef>
+          <a:fontRef idx="minor">
+            <a:schemeClr val="lt1"/>
+          </a:fontRef>
+        </p:style>
+        <p:txBody>
+          <a:bodyPr rtlCol="0" anchor="ctr"/>
+          <a:lstStyle/>
+          <a:p>
+            <a:pPr algn="ctr"/>
+            <a:endParaRPr lang="en-GB"/>
+          </a:p>
+        </p:txBody>
+      </p:sp>
+      <p:pic>
+        <p:nvPicPr>
+          <p:cNvPr id="7171" name="Picture 3"/>
+          <p:cNvPicPr>
+            <a:picLocks noChangeAspect="1" noChangeArrowheads="1"/>
+          </p:cNvPicPr>
+          <p:nvPr/>
+        </p:nvPicPr>
+        <p:blipFill>
+          <a:blip r:embed="rId4">
+            <a:extLst>
+              <a:ext uri="{28A0092B-C50C-407E-A947-70E740481C1C}">
+                <a14:useLocalDpi xmlns:a14="http://schemas.microsoft.com/office/drawing/2010/main" val="0"/>
+              </a:ext>
+            </a:extLst>
+          </a:blip>
+          <a:srcRect/>
+          <a:stretch>
+            <a:fillRect/>
+          </a:stretch>
+        </p:blipFill>
+        <p:spPr bwMode="auto">
+          <a:xfrm>
+            <a:off x="1541463" y="1828800"/>
+            <a:ext cx="6059487" cy="3200400"/>
+          </a:xfrm>
+          <a:prstGeom prst="rect">
+            <a:avLst/>
+          </a:prstGeom>
+          <a:noFill/>
+          <a:ln>
+            <a:noFill/>
+          </a:ln>
+          <a:effectLst/>
+          <a:extLst>
+            <a:ext uri="{909E8E84-426E-40DD-AFC4-6F175D3DCCD1}">
+              <a14:hiddenFill xmlns:a14="http://schemas.microsoft.com/office/drawing/2010/main">
+                <a:solidFill>
+                  <a:schemeClr val="accent1"/>
+                </a:solidFill>
+              </a14:hiddenFill>
+            </a:ext>
+            <a:ext uri="{91240B29-F687-4F45-9708-019B960494DF}">
+              <a14:hiddenLine xmlns:a14="http://schemas.microsoft.com/office/drawing/2010/main" w="9525">
+                <a:solidFill>
+                  <a:schemeClr val="tx1"/>
+                </a:solidFill>
+                <a:miter lim="800000"/>
+                <a:headEnd/>
+                <a:tailEnd/>
+              </a14:hiddenLine>
+            </a:ext>
+            <a:ext uri="{AF507438-7753-43E0-B8FC-AC1667EBCBE1}">
+              <a14:hiddenEffects xmlns:a14="http://schemas.microsoft.com/office/drawing/2010/main">
+                <a:effectLst>
+                  <a:outerShdw dist="35921" dir="2700000" algn="ctr" rotWithShape="0">
+                    <a:schemeClr val="bg2"/>
+                  </a:outerShdw>
+                </a:effectLst>
+              </a14:hiddenEffects>
+            </a:ext>
+          </a:extLst>
+        </p:spPr>
+      </p:pic>
+    </p:spTree>
+    <p:extLst>
+      <p:ext uri="{BB962C8B-B14F-4D97-AF65-F5344CB8AC3E}">
+        <p14:creationId xmlns:p14="http://schemas.microsoft.com/office/powerpoint/2010/main" val="1516225347"/>
+      </p:ext>
+    </p:extLst>
+  </p:cSld>
+  <p:clrMapOvr>
+    <a:masterClrMapping/>
+  </p:clrMapOvr>
+  <p:timing>
+    <p:tnLst>
+      <p:par>
+        <p:cTn id="1" dur="indefinite" restart="never" nodeType="tmRoot"/>
+      </p:par>
+    </p:tnLst>
+  </p:timing>
+</p:sld>
+</file>
+
 <file path=ppt/slides/slide2.xml><?xml version="1.0" encoding="utf-8"?>
 <p:sld xmlns:a="http://schemas.openxmlformats.org/drawingml/2006/main" xmlns:r="http://schemas.openxmlformats.org/officeDocument/2006/relationships" xmlns:p="http://schemas.openxmlformats.org/presentationml/2006/main">
   <p:cSld>
@@ -4740,6 +6160,880 @@
     <p:extLst>
       <p:ext uri="{BB962C8B-B14F-4D97-AF65-F5344CB8AC3E}">
         <p14:creationId xmlns:p14="http://schemas.microsoft.com/office/powerpoint/2010/main" val="547801633"/>
+      </p:ext>
+    </p:extLst>
+  </p:cSld>
+  <p:clrMapOvr>
+    <a:masterClrMapping/>
+  </p:clrMapOvr>
+  <p:timing>
+    <p:tnLst>
+      <p:par>
+        <p:cTn id="1" dur="indefinite" restart="never" nodeType="tmRoot"/>
+      </p:par>
+    </p:tnLst>
+  </p:timing>
+</p:sld>
+</file>
+
+<file path=ppt/slides/slide6.xml><?xml version="1.0" encoding="utf-8"?>
+<p:sld xmlns:a="http://schemas.openxmlformats.org/drawingml/2006/main" xmlns:r="http://schemas.openxmlformats.org/officeDocument/2006/relationships" xmlns:p="http://schemas.openxmlformats.org/presentationml/2006/main">
+  <p:cSld>
+    <p:spTree>
+      <p:nvGrpSpPr>
+        <p:cNvPr id="1" name=""/>
+        <p:cNvGrpSpPr/>
+        <p:nvPr/>
+      </p:nvGrpSpPr>
+      <p:grpSpPr>
+        <a:xfrm>
+          <a:off x="0" y="0"/>
+          <a:ext cx="0" cy="0"/>
+          <a:chOff x="0" y="0"/>
+          <a:chExt cx="0" cy="0"/>
+        </a:xfrm>
+      </p:grpSpPr>
+      <p:pic>
+        <p:nvPicPr>
+          <p:cNvPr id="1026" name="Picture 2"/>
+          <p:cNvPicPr>
+            <a:picLocks noChangeAspect="1" noChangeArrowheads="1"/>
+          </p:cNvPicPr>
+          <p:nvPr/>
+        </p:nvPicPr>
+        <p:blipFill>
+          <a:blip r:embed="rId3" cstate="print">
+            <a:extLst>
+              <a:ext uri="{28A0092B-C50C-407E-A947-70E740481C1C}">
+                <a14:useLocalDpi xmlns:a14="http://schemas.microsoft.com/office/drawing/2010/main" val="0"/>
+              </a:ext>
+            </a:extLst>
+          </a:blip>
+          <a:srcRect/>
+          <a:stretch>
+            <a:fillRect/>
+          </a:stretch>
+        </p:blipFill>
+        <p:spPr bwMode="auto">
+          <a:xfrm>
+            <a:off x="1043608" y="1412776"/>
+            <a:ext cx="6568991" cy="3081791"/>
+          </a:xfrm>
+          <a:prstGeom prst="rect">
+            <a:avLst/>
+          </a:prstGeom>
+          <a:noFill/>
+          <a:ln>
+            <a:noFill/>
+          </a:ln>
+          <a:extLst>
+            <a:ext uri="{909E8E84-426E-40DD-AFC4-6F175D3DCCD1}">
+              <a14:hiddenFill xmlns:a14="http://schemas.microsoft.com/office/drawing/2010/main">
+                <a:solidFill>
+                  <a:schemeClr val="accent1"/>
+                </a:solidFill>
+              </a14:hiddenFill>
+            </a:ext>
+            <a:ext uri="{91240B29-F687-4F45-9708-019B960494DF}">
+              <a14:hiddenLine xmlns:a14="http://schemas.microsoft.com/office/drawing/2010/main" w="9525">
+                <a:solidFill>
+                  <a:schemeClr val="tx1"/>
+                </a:solidFill>
+                <a:miter lim="800000"/>
+                <a:headEnd/>
+                <a:tailEnd/>
+              </a14:hiddenLine>
+            </a:ext>
+          </a:extLst>
+        </p:spPr>
+      </p:pic>
+      <p:sp>
+        <p:nvSpPr>
+          <p:cNvPr id="3" name="Rectangle 2"/>
+          <p:cNvSpPr/>
+          <p:nvPr/>
+        </p:nvSpPr>
+        <p:spPr>
+          <a:xfrm>
+            <a:off x="1043608" y="1988840"/>
+            <a:ext cx="2160240" cy="288032"/>
+          </a:xfrm>
+          <a:prstGeom prst="rect">
+            <a:avLst/>
+          </a:prstGeom>
+          <a:noFill/>
+          <a:ln w="12700">
+            <a:solidFill>
+              <a:schemeClr val="accent2"/>
+            </a:solidFill>
+          </a:ln>
+        </p:spPr>
+        <p:style>
+          <a:lnRef idx="2">
+            <a:schemeClr val="accent1">
+              <a:shade val="50000"/>
+            </a:schemeClr>
+          </a:lnRef>
+          <a:fillRef idx="1">
+            <a:schemeClr val="accent1"/>
+          </a:fillRef>
+          <a:effectRef idx="0">
+            <a:schemeClr val="accent1"/>
+          </a:effectRef>
+          <a:fontRef idx="minor">
+            <a:schemeClr val="lt1"/>
+          </a:fontRef>
+        </p:style>
+        <p:txBody>
+          <a:bodyPr rtlCol="0" anchor="ctr"/>
+          <a:lstStyle/>
+          <a:p>
+            <a:pPr algn="ctr"/>
+            <a:endParaRPr lang="en-GB"/>
+          </a:p>
+        </p:txBody>
+      </p:sp>
+      <p:sp>
+        <p:nvSpPr>
+          <p:cNvPr id="4" name="Oval 3"/>
+          <p:cNvSpPr/>
+          <p:nvPr/>
+        </p:nvSpPr>
+        <p:spPr>
+          <a:xfrm>
+            <a:off x="953608" y="1898840"/>
+            <a:ext cx="180000" cy="180000"/>
+          </a:xfrm>
+          <a:prstGeom prst="ellipse">
+            <a:avLst/>
+          </a:prstGeom>
+        </p:spPr>
+        <p:style>
+          <a:lnRef idx="2">
+            <a:schemeClr val="dk1">
+              <a:shade val="50000"/>
+            </a:schemeClr>
+          </a:lnRef>
+          <a:fillRef idx="1">
+            <a:schemeClr val="dk1"/>
+          </a:fillRef>
+          <a:effectRef idx="0">
+            <a:schemeClr val="dk1"/>
+          </a:effectRef>
+          <a:fontRef idx="minor">
+            <a:schemeClr val="lt1"/>
+          </a:fontRef>
+        </p:style>
+        <p:txBody>
+          <a:bodyPr rtlCol="0" anchor="ctr"/>
+          <a:lstStyle/>
+          <a:p>
+            <a:pPr algn="ctr"/>
+            <a:r>
+              <a:rPr lang="en-AU" sz="1200" dirty="0" smtClean="0"/>
+              <a:t>1</a:t>
+            </a:r>
+            <a:endParaRPr lang="en-GB" dirty="0"/>
+          </a:p>
+        </p:txBody>
+      </p:sp>
+      <p:sp>
+        <p:nvSpPr>
+          <p:cNvPr id="6" name="Rectangle 5"/>
+          <p:cNvSpPr/>
+          <p:nvPr/>
+        </p:nvSpPr>
+        <p:spPr>
+          <a:xfrm>
+            <a:off x="1043608" y="2348880"/>
+            <a:ext cx="2160240" cy="576064"/>
+          </a:xfrm>
+          <a:prstGeom prst="rect">
+            <a:avLst/>
+          </a:prstGeom>
+          <a:noFill/>
+          <a:ln w="12700">
+            <a:solidFill>
+              <a:schemeClr val="accent2"/>
+            </a:solidFill>
+          </a:ln>
+        </p:spPr>
+        <p:style>
+          <a:lnRef idx="2">
+            <a:schemeClr val="accent1">
+              <a:shade val="50000"/>
+            </a:schemeClr>
+          </a:lnRef>
+          <a:fillRef idx="1">
+            <a:schemeClr val="accent1"/>
+          </a:fillRef>
+          <a:effectRef idx="0">
+            <a:schemeClr val="accent1"/>
+          </a:effectRef>
+          <a:fontRef idx="minor">
+            <a:schemeClr val="lt1"/>
+          </a:fontRef>
+        </p:style>
+        <p:txBody>
+          <a:bodyPr rtlCol="0" anchor="ctr"/>
+          <a:lstStyle/>
+          <a:p>
+            <a:pPr algn="ctr"/>
+            <a:endParaRPr lang="en-GB"/>
+          </a:p>
+        </p:txBody>
+      </p:sp>
+      <p:sp>
+        <p:nvSpPr>
+          <p:cNvPr id="7" name="Oval 6"/>
+          <p:cNvSpPr/>
+          <p:nvPr/>
+        </p:nvSpPr>
+        <p:spPr>
+          <a:xfrm>
+            <a:off x="953608" y="2276872"/>
+            <a:ext cx="180000" cy="180000"/>
+          </a:xfrm>
+          <a:prstGeom prst="ellipse">
+            <a:avLst/>
+          </a:prstGeom>
+        </p:spPr>
+        <p:style>
+          <a:lnRef idx="2">
+            <a:schemeClr val="dk1">
+              <a:shade val="50000"/>
+            </a:schemeClr>
+          </a:lnRef>
+          <a:fillRef idx="1">
+            <a:schemeClr val="dk1"/>
+          </a:fillRef>
+          <a:effectRef idx="0">
+            <a:schemeClr val="dk1"/>
+          </a:effectRef>
+          <a:fontRef idx="minor">
+            <a:schemeClr val="lt1"/>
+          </a:fontRef>
+        </p:style>
+        <p:txBody>
+          <a:bodyPr rtlCol="0" anchor="ctr"/>
+          <a:lstStyle/>
+          <a:p>
+            <a:pPr algn="ctr"/>
+            <a:r>
+              <a:rPr lang="en-AU" sz="1200" dirty="0" smtClean="0"/>
+              <a:t>2</a:t>
+            </a:r>
+            <a:endParaRPr lang="en-GB" dirty="0"/>
+          </a:p>
+        </p:txBody>
+      </p:sp>
+    </p:spTree>
+    <p:extLst>
+      <p:ext uri="{BB962C8B-B14F-4D97-AF65-F5344CB8AC3E}">
+        <p14:creationId xmlns:p14="http://schemas.microsoft.com/office/powerpoint/2010/main" val="3451851091"/>
+      </p:ext>
+    </p:extLst>
+  </p:cSld>
+  <p:clrMapOvr>
+    <a:masterClrMapping/>
+  </p:clrMapOvr>
+  <p:timing>
+    <p:tnLst>
+      <p:par>
+        <p:cTn id="1" dur="indefinite" restart="never" nodeType="tmRoot"/>
+      </p:par>
+    </p:tnLst>
+  </p:timing>
+</p:sld>
+</file>
+
+<file path=ppt/slides/slide7.xml><?xml version="1.0" encoding="utf-8"?>
+<p:sld xmlns:a="http://schemas.openxmlformats.org/drawingml/2006/main" xmlns:r="http://schemas.openxmlformats.org/officeDocument/2006/relationships" xmlns:p="http://schemas.openxmlformats.org/presentationml/2006/main">
+  <p:cSld>
+    <p:spTree>
+      <p:nvGrpSpPr>
+        <p:cNvPr id="1" name=""/>
+        <p:cNvGrpSpPr/>
+        <p:nvPr/>
+      </p:nvGrpSpPr>
+      <p:grpSpPr>
+        <a:xfrm>
+          <a:off x="0" y="0"/>
+          <a:ext cx="0" cy="0"/>
+          <a:chOff x="0" y="0"/>
+          <a:chExt cx="0" cy="0"/>
+        </a:xfrm>
+      </p:grpSpPr>
+      <p:pic>
+        <p:nvPicPr>
+          <p:cNvPr id="2050" name="Picture 2"/>
+          <p:cNvPicPr>
+            <a:picLocks noChangeAspect="1" noChangeArrowheads="1"/>
+          </p:cNvPicPr>
+          <p:nvPr/>
+        </p:nvPicPr>
+        <p:blipFill>
+          <a:blip r:embed="rId3" cstate="print">
+            <a:extLst>
+              <a:ext uri="{28A0092B-C50C-407E-A947-70E740481C1C}">
+                <a14:useLocalDpi xmlns:a14="http://schemas.microsoft.com/office/drawing/2010/main" val="0"/>
+              </a:ext>
+            </a:extLst>
+          </a:blip>
+          <a:srcRect/>
+          <a:stretch>
+            <a:fillRect/>
+          </a:stretch>
+        </p:blipFill>
+        <p:spPr bwMode="auto">
+          <a:xfrm>
+            <a:off x="545610" y="2204864"/>
+            <a:ext cx="3882374" cy="2160000"/>
+          </a:xfrm>
+          <a:prstGeom prst="rect">
+            <a:avLst/>
+          </a:prstGeom>
+          <a:noFill/>
+          <a:ln>
+            <a:noFill/>
+          </a:ln>
+          <a:extLst>
+            <a:ext uri="{909E8E84-426E-40DD-AFC4-6F175D3DCCD1}">
+              <a14:hiddenFill xmlns:a14="http://schemas.microsoft.com/office/drawing/2010/main">
+                <a:solidFill>
+                  <a:schemeClr val="accent1"/>
+                </a:solidFill>
+              </a14:hiddenFill>
+            </a:ext>
+            <a:ext uri="{91240B29-F687-4F45-9708-019B960494DF}">
+              <a14:hiddenLine xmlns:a14="http://schemas.microsoft.com/office/drawing/2010/main" w="9525">
+                <a:solidFill>
+                  <a:schemeClr val="tx1"/>
+                </a:solidFill>
+                <a:miter lim="800000"/>
+                <a:headEnd/>
+                <a:tailEnd/>
+              </a14:hiddenLine>
+            </a:ext>
+          </a:extLst>
+        </p:spPr>
+      </p:pic>
+      <p:pic>
+        <p:nvPicPr>
+          <p:cNvPr id="2051" name="Picture 3"/>
+          <p:cNvPicPr>
+            <a:picLocks noChangeAspect="1" noChangeArrowheads="1"/>
+          </p:cNvPicPr>
+          <p:nvPr/>
+        </p:nvPicPr>
+        <p:blipFill>
+          <a:blip r:embed="rId4" cstate="print">
+            <a:extLst>
+              <a:ext uri="{28A0092B-C50C-407E-A947-70E740481C1C}">
+                <a14:useLocalDpi xmlns:a14="http://schemas.microsoft.com/office/drawing/2010/main" val="0"/>
+              </a:ext>
+            </a:extLst>
+          </a:blip>
+          <a:srcRect/>
+          <a:stretch>
+            <a:fillRect/>
+          </a:stretch>
+        </p:blipFill>
+        <p:spPr bwMode="auto">
+          <a:xfrm>
+            <a:off x="4788024" y="2204864"/>
+            <a:ext cx="3848671" cy="2160000"/>
+          </a:xfrm>
+          <a:prstGeom prst="rect">
+            <a:avLst/>
+          </a:prstGeom>
+          <a:noFill/>
+          <a:ln>
+            <a:noFill/>
+          </a:ln>
+          <a:extLst>
+            <a:ext uri="{909E8E84-426E-40DD-AFC4-6F175D3DCCD1}">
+              <a14:hiddenFill xmlns:a14="http://schemas.microsoft.com/office/drawing/2010/main">
+                <a:solidFill>
+                  <a:schemeClr val="accent1"/>
+                </a:solidFill>
+              </a14:hiddenFill>
+            </a:ext>
+            <a:ext uri="{91240B29-F687-4F45-9708-019B960494DF}">
+              <a14:hiddenLine xmlns:a14="http://schemas.microsoft.com/office/drawing/2010/main" w="9525">
+                <a:solidFill>
+                  <a:schemeClr val="tx1"/>
+                </a:solidFill>
+                <a:miter lim="800000"/>
+                <a:headEnd/>
+                <a:tailEnd/>
+              </a14:hiddenLine>
+            </a:ext>
+          </a:extLst>
+        </p:spPr>
+      </p:pic>
+      <p:sp>
+        <p:nvSpPr>
+          <p:cNvPr id="4" name="TextBox 3"/>
+          <p:cNvSpPr txBox="1"/>
+          <p:nvPr/>
+        </p:nvSpPr>
+        <p:spPr>
+          <a:xfrm>
+            <a:off x="1823923" y="4355812"/>
+            <a:ext cx="1325748" cy="338554"/>
+          </a:xfrm>
+          <a:prstGeom prst="rect">
+            <a:avLst/>
+          </a:prstGeom>
+          <a:noFill/>
+        </p:spPr>
+        <p:txBody>
+          <a:bodyPr wrap="none" rtlCol="0">
+            <a:spAutoFit/>
+          </a:bodyPr>
+          <a:lstStyle/>
+          <a:p>
+            <a:r>
+              <a:rPr lang="en-AU" sz="1600" dirty="0" smtClean="0"/>
+              <a:t>Without jitter</a:t>
+            </a:r>
+            <a:endParaRPr lang="en-GB" sz="1600" dirty="0"/>
+          </a:p>
+        </p:txBody>
+      </p:sp>
+      <p:sp>
+        <p:nvSpPr>
+          <p:cNvPr id="5" name="TextBox 4"/>
+          <p:cNvSpPr txBox="1"/>
+          <p:nvPr/>
+        </p:nvSpPr>
+        <p:spPr>
+          <a:xfrm>
+            <a:off x="6192152" y="4355812"/>
+            <a:ext cx="1040413" cy="338554"/>
+          </a:xfrm>
+          <a:prstGeom prst="rect">
+            <a:avLst/>
+          </a:prstGeom>
+          <a:noFill/>
+        </p:spPr>
+        <p:txBody>
+          <a:bodyPr wrap="none" rtlCol="0">
+            <a:spAutoFit/>
+          </a:bodyPr>
+          <a:lstStyle/>
+          <a:p>
+            <a:r>
+              <a:rPr lang="en-AU" sz="1600" dirty="0" smtClean="0"/>
+              <a:t>With jitter</a:t>
+            </a:r>
+            <a:endParaRPr lang="en-GB" sz="1600" dirty="0"/>
+          </a:p>
+        </p:txBody>
+      </p:sp>
+    </p:spTree>
+    <p:extLst>
+      <p:ext uri="{BB962C8B-B14F-4D97-AF65-F5344CB8AC3E}">
+        <p14:creationId xmlns:p14="http://schemas.microsoft.com/office/powerpoint/2010/main" val="3696526784"/>
+      </p:ext>
+    </p:extLst>
+  </p:cSld>
+  <p:clrMapOvr>
+    <a:masterClrMapping/>
+  </p:clrMapOvr>
+  <p:timing>
+    <p:tnLst>
+      <p:par>
+        <p:cTn id="1" dur="indefinite" restart="never" nodeType="tmRoot"/>
+      </p:par>
+    </p:tnLst>
+  </p:timing>
+</p:sld>
+</file>
+
+<file path=ppt/slides/slide8.xml><?xml version="1.0" encoding="utf-8"?>
+<p:sld xmlns:a="http://schemas.openxmlformats.org/drawingml/2006/main" xmlns:r="http://schemas.openxmlformats.org/officeDocument/2006/relationships" xmlns:p="http://schemas.openxmlformats.org/presentationml/2006/main">
+  <p:cSld>
+    <p:spTree>
+      <p:nvGrpSpPr>
+        <p:cNvPr id="1" name=""/>
+        <p:cNvGrpSpPr/>
+        <p:nvPr/>
+      </p:nvGrpSpPr>
+      <p:grpSpPr>
+        <a:xfrm>
+          <a:off x="0" y="0"/>
+          <a:ext cx="0" cy="0"/>
+          <a:chOff x="0" y="0"/>
+          <a:chExt cx="0" cy="0"/>
+        </a:xfrm>
+      </p:grpSpPr>
+      <p:pic>
+        <p:nvPicPr>
+          <p:cNvPr id="3074" name="Picture 2"/>
+          <p:cNvPicPr>
+            <a:picLocks noChangeAspect="1" noChangeArrowheads="1"/>
+          </p:cNvPicPr>
+          <p:nvPr/>
+        </p:nvPicPr>
+        <p:blipFill rotWithShape="1">
+          <a:blip r:embed="rId3">
+            <a:extLst>
+              <a:ext uri="{28A0092B-C50C-407E-A947-70E740481C1C}">
+                <a14:useLocalDpi xmlns:a14="http://schemas.microsoft.com/office/drawing/2010/main" val="0"/>
+              </a:ext>
+            </a:extLst>
+          </a:blip>
+          <a:srcRect t="44647" r="66902" b="15908"/>
+          <a:stretch/>
+        </p:blipFill>
+        <p:spPr bwMode="auto">
+          <a:xfrm>
+            <a:off x="1043608" y="1556792"/>
+            <a:ext cx="3222137" cy="2160000"/>
+          </a:xfrm>
+          <a:prstGeom prst="rect">
+            <a:avLst/>
+          </a:prstGeom>
+          <a:noFill/>
+          <a:ln>
+            <a:noFill/>
+          </a:ln>
+          <a:extLst>
+            <a:ext uri="{909E8E84-426E-40DD-AFC4-6F175D3DCCD1}">
+              <a14:hiddenFill xmlns:a14="http://schemas.microsoft.com/office/drawing/2010/main">
+                <a:solidFill>
+                  <a:schemeClr val="accent1"/>
+                </a:solidFill>
+              </a14:hiddenFill>
+            </a:ext>
+            <a:ext uri="{91240B29-F687-4F45-9708-019B960494DF}">
+              <a14:hiddenLine xmlns:a14="http://schemas.microsoft.com/office/drawing/2010/main" w="9525">
+                <a:solidFill>
+                  <a:schemeClr val="tx1"/>
+                </a:solidFill>
+                <a:miter lim="800000"/>
+                <a:headEnd/>
+                <a:tailEnd/>
+              </a14:hiddenLine>
+            </a:ext>
+          </a:extLst>
+        </p:spPr>
+      </p:pic>
+      <p:sp>
+        <p:nvSpPr>
+          <p:cNvPr id="3" name="Rectangle 2"/>
+          <p:cNvSpPr/>
+          <p:nvPr/>
+        </p:nvSpPr>
+        <p:spPr>
+          <a:xfrm>
+            <a:off x="1176060" y="2635805"/>
+            <a:ext cx="2160000" cy="252000"/>
+          </a:xfrm>
+          <a:prstGeom prst="rect">
+            <a:avLst/>
+          </a:prstGeom>
+          <a:noFill/>
+          <a:ln w="12700">
+            <a:solidFill>
+              <a:schemeClr val="accent2"/>
+            </a:solidFill>
+          </a:ln>
+        </p:spPr>
+        <p:style>
+          <a:lnRef idx="2">
+            <a:schemeClr val="accent1">
+              <a:shade val="50000"/>
+            </a:schemeClr>
+          </a:lnRef>
+          <a:fillRef idx="1">
+            <a:schemeClr val="accent1"/>
+          </a:fillRef>
+          <a:effectRef idx="0">
+            <a:schemeClr val="accent1"/>
+          </a:effectRef>
+          <a:fontRef idx="minor">
+            <a:schemeClr val="lt1"/>
+          </a:fontRef>
+        </p:style>
+        <p:txBody>
+          <a:bodyPr rtlCol="0" anchor="ctr"/>
+          <a:lstStyle/>
+          <a:p>
+            <a:pPr algn="ctr"/>
+            <a:endParaRPr lang="en-GB"/>
+          </a:p>
+        </p:txBody>
+      </p:sp>
+      <p:pic>
+        <p:nvPicPr>
+          <p:cNvPr id="3077" name="Picture 5"/>
+          <p:cNvPicPr>
+            <a:picLocks noChangeAspect="1" noChangeArrowheads="1"/>
+          </p:cNvPicPr>
+          <p:nvPr/>
+        </p:nvPicPr>
+        <p:blipFill>
+          <a:blip r:embed="rId4">
+            <a:extLst>
+              <a:ext uri="{28A0092B-C50C-407E-A947-70E740481C1C}">
+                <a14:useLocalDpi xmlns:a14="http://schemas.microsoft.com/office/drawing/2010/main" val="0"/>
+              </a:ext>
+            </a:extLst>
+          </a:blip>
+          <a:srcRect/>
+          <a:stretch>
+            <a:fillRect/>
+          </a:stretch>
+        </p:blipFill>
+        <p:spPr bwMode="auto">
+          <a:xfrm>
+            <a:off x="2584450" y="2098675"/>
+            <a:ext cx="3975100" cy="2663825"/>
+          </a:xfrm>
+          <a:prstGeom prst="rect">
+            <a:avLst/>
+          </a:prstGeom>
+          <a:noFill/>
+          <a:ln>
+            <a:noFill/>
+          </a:ln>
+          <a:effectLst/>
+          <a:extLst>
+            <a:ext uri="{909E8E84-426E-40DD-AFC4-6F175D3DCCD1}">
+              <a14:hiddenFill xmlns:a14="http://schemas.microsoft.com/office/drawing/2010/main">
+                <a:solidFill>
+                  <a:schemeClr val="accent1"/>
+                </a:solidFill>
+              </a14:hiddenFill>
+            </a:ext>
+            <a:ext uri="{91240B29-F687-4F45-9708-019B960494DF}">
+              <a14:hiddenLine xmlns:a14="http://schemas.microsoft.com/office/drawing/2010/main" w="9525">
+                <a:solidFill>
+                  <a:schemeClr val="tx1"/>
+                </a:solidFill>
+                <a:miter lim="800000"/>
+                <a:headEnd/>
+                <a:tailEnd/>
+              </a14:hiddenLine>
+            </a:ext>
+            <a:ext uri="{AF507438-7753-43E0-B8FC-AC1667EBCBE1}">
+              <a14:hiddenEffects xmlns:a14="http://schemas.microsoft.com/office/drawing/2010/main">
+                <a:effectLst>
+                  <a:outerShdw dist="35921" dir="2700000" algn="ctr" rotWithShape="0">
+                    <a:schemeClr val="bg2"/>
+                  </a:outerShdw>
+                </a:effectLst>
+              </a14:hiddenEffects>
+            </a:ext>
+          </a:extLst>
+        </p:spPr>
+      </p:pic>
+    </p:spTree>
+    <p:extLst>
+      <p:ext uri="{BB962C8B-B14F-4D97-AF65-F5344CB8AC3E}">
+        <p14:creationId xmlns:p14="http://schemas.microsoft.com/office/powerpoint/2010/main" val="1841082476"/>
+      </p:ext>
+    </p:extLst>
+  </p:cSld>
+  <p:clrMapOvr>
+    <a:masterClrMapping/>
+  </p:clrMapOvr>
+  <p:timing>
+    <p:tnLst>
+      <p:par>
+        <p:cTn id="1" dur="indefinite" restart="never" nodeType="tmRoot"/>
+      </p:par>
+    </p:tnLst>
+  </p:timing>
+</p:sld>
+</file>
+
+<file path=ppt/slides/slide9.xml><?xml version="1.0" encoding="utf-8"?>
+<p:sld xmlns:a="http://schemas.openxmlformats.org/drawingml/2006/main" xmlns:r="http://schemas.openxmlformats.org/officeDocument/2006/relationships" xmlns:p="http://schemas.openxmlformats.org/presentationml/2006/main">
+  <p:cSld>
+    <p:spTree>
+      <p:nvGrpSpPr>
+        <p:cNvPr id="1" name=""/>
+        <p:cNvGrpSpPr/>
+        <p:nvPr/>
+      </p:nvGrpSpPr>
+      <p:grpSpPr>
+        <a:xfrm>
+          <a:off x="0" y="0"/>
+          <a:ext cx="0" cy="0"/>
+          <a:chOff x="0" y="0"/>
+          <a:chExt cx="0" cy="0"/>
+        </a:xfrm>
+      </p:grpSpPr>
+      <p:pic>
+        <p:nvPicPr>
+          <p:cNvPr id="4098" name="Picture 2"/>
+          <p:cNvPicPr>
+            <a:picLocks noChangeAspect="1" noChangeArrowheads="1"/>
+          </p:cNvPicPr>
+          <p:nvPr/>
+        </p:nvPicPr>
+        <p:blipFill rotWithShape="1">
+          <a:blip r:embed="rId3">
+            <a:extLst>
+              <a:ext uri="{28A0092B-C50C-407E-A947-70E740481C1C}">
+                <a14:useLocalDpi xmlns:a14="http://schemas.microsoft.com/office/drawing/2010/main" val="0"/>
+              </a:ext>
+            </a:extLst>
+          </a:blip>
+          <a:srcRect l="920" t="44840" r="67101" b="11271"/>
+          <a:stretch/>
+        </p:blipFill>
+        <p:spPr bwMode="auto">
+          <a:xfrm>
+            <a:off x="2139430" y="2149325"/>
+            <a:ext cx="3512690" cy="2711750"/>
+          </a:xfrm>
+          <a:prstGeom prst="rect">
+            <a:avLst/>
+          </a:prstGeom>
+          <a:noFill/>
+          <a:ln>
+            <a:noFill/>
+          </a:ln>
+          <a:extLst>
+            <a:ext uri="{909E8E84-426E-40DD-AFC4-6F175D3DCCD1}">
+              <a14:hiddenFill xmlns:a14="http://schemas.microsoft.com/office/drawing/2010/main">
+                <a:solidFill>
+                  <a:schemeClr val="accent1"/>
+                </a:solidFill>
+              </a14:hiddenFill>
+            </a:ext>
+            <a:ext uri="{91240B29-F687-4F45-9708-019B960494DF}">
+              <a14:hiddenLine xmlns:a14="http://schemas.microsoft.com/office/drawing/2010/main" w="9525">
+                <a:solidFill>
+                  <a:schemeClr val="tx1"/>
+                </a:solidFill>
+                <a:miter lim="800000"/>
+                <a:headEnd/>
+                <a:tailEnd/>
+              </a14:hiddenLine>
+            </a:ext>
+          </a:extLst>
+        </p:spPr>
+      </p:pic>
+      <p:sp>
+        <p:nvSpPr>
+          <p:cNvPr id="3" name="Rectangle 2"/>
+          <p:cNvSpPr/>
+          <p:nvPr/>
+        </p:nvSpPr>
+        <p:spPr>
+          <a:xfrm>
+            <a:off x="2139430" y="3933056"/>
+            <a:ext cx="2160000" cy="252000"/>
+          </a:xfrm>
+          <a:prstGeom prst="rect">
+            <a:avLst/>
+          </a:prstGeom>
+          <a:noFill/>
+          <a:ln w="12700">
+            <a:solidFill>
+              <a:schemeClr val="accent2"/>
+            </a:solidFill>
+          </a:ln>
+        </p:spPr>
+        <p:style>
+          <a:lnRef idx="2">
+            <a:schemeClr val="accent1">
+              <a:shade val="50000"/>
+            </a:schemeClr>
+          </a:lnRef>
+          <a:fillRef idx="1">
+            <a:schemeClr val="accent1"/>
+          </a:fillRef>
+          <a:effectRef idx="0">
+            <a:schemeClr val="accent1"/>
+          </a:effectRef>
+          <a:fontRef idx="minor">
+            <a:schemeClr val="lt1"/>
+          </a:fontRef>
+        </p:style>
+        <p:txBody>
+          <a:bodyPr rtlCol="0" anchor="ctr"/>
+          <a:lstStyle/>
+          <a:p>
+            <a:pPr algn="ctr"/>
+            <a:endParaRPr lang="en-GB"/>
+          </a:p>
+        </p:txBody>
+      </p:sp>
+      <p:pic>
+        <p:nvPicPr>
+          <p:cNvPr id="4099" name="Picture 3"/>
+          <p:cNvPicPr>
+            <a:picLocks noChangeAspect="1" noChangeArrowheads="1"/>
+          </p:cNvPicPr>
+          <p:nvPr/>
+        </p:nvPicPr>
+        <p:blipFill>
+          <a:blip r:embed="rId4">
+            <a:extLst>
+              <a:ext uri="{28A0092B-C50C-407E-A947-70E740481C1C}">
+                <a14:useLocalDpi xmlns:a14="http://schemas.microsoft.com/office/drawing/2010/main" val="0"/>
+              </a:ext>
+            </a:extLst>
+          </a:blip>
+          <a:srcRect/>
+          <a:stretch>
+            <a:fillRect/>
+          </a:stretch>
+        </p:blipFill>
+        <p:spPr bwMode="auto">
+          <a:xfrm>
+            <a:off x="4860032" y="1466185"/>
+            <a:ext cx="3517900" cy="2706687"/>
+          </a:xfrm>
+          <a:prstGeom prst="rect">
+            <a:avLst/>
+          </a:prstGeom>
+          <a:noFill/>
+          <a:ln>
+            <a:noFill/>
+          </a:ln>
+          <a:effectLst/>
+          <a:extLst>
+            <a:ext uri="{909E8E84-426E-40DD-AFC4-6F175D3DCCD1}">
+              <a14:hiddenFill xmlns:a14="http://schemas.microsoft.com/office/drawing/2010/main">
+                <a:solidFill>
+                  <a:schemeClr val="accent1"/>
+                </a:solidFill>
+              </a14:hiddenFill>
+            </a:ext>
+            <a:ext uri="{91240B29-F687-4F45-9708-019B960494DF}">
+              <a14:hiddenLine xmlns:a14="http://schemas.microsoft.com/office/drawing/2010/main" w="9525">
+                <a:solidFill>
+                  <a:schemeClr val="tx1"/>
+                </a:solidFill>
+                <a:miter lim="800000"/>
+                <a:headEnd/>
+                <a:tailEnd/>
+              </a14:hiddenLine>
+            </a:ext>
+            <a:ext uri="{AF507438-7753-43E0-B8FC-AC1667EBCBE1}">
+              <a14:hiddenEffects xmlns:a14="http://schemas.microsoft.com/office/drawing/2010/main">
+                <a:effectLst>
+                  <a:outerShdw dist="35921" dir="2700000" algn="ctr" rotWithShape="0">
+                    <a:schemeClr val="bg2"/>
+                  </a:outerShdw>
+                </a:effectLst>
+              </a14:hiddenEffects>
+            </a:ext>
+          </a:extLst>
+        </p:spPr>
+      </p:pic>
+    </p:spTree>
+    <p:extLst>
+      <p:ext uri="{BB962C8B-B14F-4D97-AF65-F5344CB8AC3E}">
+        <p14:creationId xmlns:p14="http://schemas.microsoft.com/office/powerpoint/2010/main" val="2753851117"/>
       </p:ext>
     </p:extLst>
   </p:cSld>
